--- a/CaseStudy-02_FinalPresentation.pptx
+++ b/CaseStudy-02_FinalPresentation.pptx
@@ -8919,7 +8919,7 @@
               <a:rPr lang="en-US" dirty="0">
                 <a:hlinkClick r:id="rId3"/>
               </a:rPr>
-              <a:t>https://youtu.be/xjNT9R3IuH4</a:t>
+              <a:t>https://youtu.be/oSLj7K4_F7g</a:t>
             </a:r>
             <a:endParaRPr lang="en-US" dirty="0"/>
           </a:p>
